--- a/paper/figures2/nvm_log.pptx
+++ b/paper/figures2/nvm_log.pptx
@@ -243,7 +243,7 @@
           <a:p>
             <a:fld id="{98B30165-48BA-459B-B1E2-55302C13B016}" type="datetimeFigureOut">
               <a:rPr lang="en-US" smtClean="0"/>
-              <a:t>4/19/2017</a:t>
+              <a:t>4/21/2017</a:t>
             </a:fld>
             <a:endParaRPr lang="en-US"/>
           </a:p>
@@ -413,7 +413,7 @@
           <a:p>
             <a:fld id="{98B30165-48BA-459B-B1E2-55302C13B016}" type="datetimeFigureOut">
               <a:rPr lang="en-US" smtClean="0"/>
-              <a:t>4/19/2017</a:t>
+              <a:t>4/21/2017</a:t>
             </a:fld>
             <a:endParaRPr lang="en-US"/>
           </a:p>
@@ -593,7 +593,7 @@
           <a:p>
             <a:fld id="{98B30165-48BA-459B-B1E2-55302C13B016}" type="datetimeFigureOut">
               <a:rPr lang="en-US" smtClean="0"/>
-              <a:t>4/19/2017</a:t>
+              <a:t>4/21/2017</a:t>
             </a:fld>
             <a:endParaRPr lang="en-US"/>
           </a:p>
@@ -763,7 +763,7 @@
           <a:p>
             <a:fld id="{98B30165-48BA-459B-B1E2-55302C13B016}" type="datetimeFigureOut">
               <a:rPr lang="en-US" smtClean="0"/>
-              <a:t>4/19/2017</a:t>
+              <a:t>4/21/2017</a:t>
             </a:fld>
             <a:endParaRPr lang="en-US"/>
           </a:p>
@@ -1009,7 +1009,7 @@
           <a:p>
             <a:fld id="{98B30165-48BA-459B-B1E2-55302C13B016}" type="datetimeFigureOut">
               <a:rPr lang="en-US" smtClean="0"/>
-              <a:t>4/19/2017</a:t>
+              <a:t>4/21/2017</a:t>
             </a:fld>
             <a:endParaRPr lang="en-US"/>
           </a:p>
@@ -1241,7 +1241,7 @@
           <a:p>
             <a:fld id="{98B30165-48BA-459B-B1E2-55302C13B016}" type="datetimeFigureOut">
               <a:rPr lang="en-US" smtClean="0"/>
-              <a:t>4/19/2017</a:t>
+              <a:t>4/21/2017</a:t>
             </a:fld>
             <a:endParaRPr lang="en-US"/>
           </a:p>
@@ -1608,7 +1608,7 @@
           <a:p>
             <a:fld id="{98B30165-48BA-459B-B1E2-55302C13B016}" type="datetimeFigureOut">
               <a:rPr lang="en-US" smtClean="0"/>
-              <a:t>4/19/2017</a:t>
+              <a:t>4/21/2017</a:t>
             </a:fld>
             <a:endParaRPr lang="en-US"/>
           </a:p>
@@ -1726,7 +1726,7 @@
           <a:p>
             <a:fld id="{98B30165-48BA-459B-B1E2-55302C13B016}" type="datetimeFigureOut">
               <a:rPr lang="en-US" smtClean="0"/>
-              <a:t>4/19/2017</a:t>
+              <a:t>4/21/2017</a:t>
             </a:fld>
             <a:endParaRPr lang="en-US"/>
           </a:p>
@@ -1821,7 +1821,7 @@
           <a:p>
             <a:fld id="{98B30165-48BA-459B-B1E2-55302C13B016}" type="datetimeFigureOut">
               <a:rPr lang="en-US" smtClean="0"/>
-              <a:t>4/19/2017</a:t>
+              <a:t>4/21/2017</a:t>
             </a:fld>
             <a:endParaRPr lang="en-US"/>
           </a:p>
@@ -2098,7 +2098,7 @@
           <a:p>
             <a:fld id="{98B30165-48BA-459B-B1E2-55302C13B016}" type="datetimeFigureOut">
               <a:rPr lang="en-US" smtClean="0"/>
-              <a:t>4/19/2017</a:t>
+              <a:t>4/21/2017</a:t>
             </a:fld>
             <a:endParaRPr lang="en-US"/>
           </a:p>
@@ -2351,7 +2351,7 @@
           <a:p>
             <a:fld id="{98B30165-48BA-459B-B1E2-55302C13B016}" type="datetimeFigureOut">
               <a:rPr lang="en-US" smtClean="0"/>
-              <a:t>4/19/2017</a:t>
+              <a:t>4/21/2017</a:t>
             </a:fld>
             <a:endParaRPr lang="en-US"/>
           </a:p>
@@ -2564,7 +2564,7 @@
           <a:p>
             <a:fld id="{98B30165-48BA-459B-B1E2-55302C13B016}" type="datetimeFigureOut">
               <a:rPr lang="en-US" smtClean="0"/>
-              <a:t>4/19/2017</a:t>
+              <a:t>4/21/2017</a:t>
             </a:fld>
             <a:endParaRPr lang="en-US"/>
           </a:p>
@@ -2977,12 +2977,14 @@
         </p:nvSpPr>
         <p:spPr>
           <a:xfrm>
-            <a:off x="1753985" y="1371601"/>
-            <a:ext cx="8212975" cy="698269"/>
+            <a:off x="1753986" y="1371601"/>
+            <a:ext cx="4228526" cy="698269"/>
           </a:xfrm>
           <a:prstGeom prst="rect">
             <a:avLst/>
           </a:prstGeom>
+          <a:noFill/>
+          <a:ln w="38100"/>
         </p:spPr>
         <p:style>
           <a:lnRef idx="2">
@@ -3006,10 +3008,26 @@
           <a:p>
             <a:pPr algn="ctr"/>
             <a:r>
-              <a:rPr lang="en-US" dirty="0" smtClean="0"/>
-              <a:t>Persistent Pointers</a:t>
-            </a:r>
-            <a:endParaRPr lang="en-US" dirty="0"/>
+              <a:rPr lang="en-US" dirty="0" smtClean="0">
+                <a:solidFill>
+                  <a:schemeClr val="tx1"/>
+                </a:solidFill>
+              </a:rPr>
+              <a:t>                       Persistent </a:t>
+            </a:r>
+            <a:r>
+              <a:rPr lang="en-US" dirty="0" smtClean="0">
+                <a:solidFill>
+                  <a:schemeClr val="tx1"/>
+                </a:solidFill>
+              </a:rPr>
+              <a:t>Pointers</a:t>
+            </a:r>
+            <a:endParaRPr lang="en-US" dirty="0">
+              <a:solidFill>
+                <a:schemeClr val="tx1"/>
+              </a:solidFill>
+            </a:endParaRPr>
           </a:p>
         </p:txBody>
       </p:sp>
@@ -3051,7 +3069,7 @@
         </p:nvSpPr>
         <p:spPr>
           <a:xfrm>
-            <a:off x="9628566" y="1002269"/>
+            <a:off x="5904077" y="1002269"/>
             <a:ext cx="495264" cy="369332"/>
           </a:xfrm>
           <a:prstGeom prst="rect">
@@ -3087,9 +3105,7 @@
           <a:prstGeom prst="rect">
             <a:avLst/>
           </a:prstGeom>
-          <a:solidFill>
-            <a:srgbClr val="FF0000"/>
-          </a:solidFill>
+          <a:noFill/>
           <a:ln w="38100">
             <a:solidFill>
               <a:schemeClr val="tx1"/>
@@ -3135,9 +3151,7 @@
           <a:prstGeom prst="rect">
             <a:avLst/>
           </a:prstGeom>
-          <a:solidFill>
-            <a:srgbClr val="FF0000"/>
-          </a:solidFill>
+          <a:noFill/>
           <a:ln w="38100">
             <a:solidFill>
               <a:schemeClr val="tx1"/>
@@ -3183,9 +3197,7 @@
           <a:prstGeom prst="rect">
             <a:avLst/>
           </a:prstGeom>
-          <a:solidFill>
-            <a:srgbClr val="FF0000"/>
-          </a:solidFill>
+          <a:noFill/>
           <a:ln w="38100">
             <a:solidFill>
               <a:schemeClr val="tx1"/>
@@ -3408,6 +3420,8 @@
           <a:prstGeom prst="rect">
             <a:avLst/>
           </a:prstGeom>
+          <a:noFill/>
+          <a:ln w="38100"/>
         </p:spPr>
         <p:style>
           <a:lnRef idx="2">
@@ -3431,10 +3445,18 @@
           <a:p>
             <a:pPr algn="ctr"/>
             <a:r>
-              <a:rPr lang="en-US" dirty="0" smtClean="0"/>
+              <a:rPr lang="en-US" dirty="0" smtClean="0">
+                <a:solidFill>
+                  <a:schemeClr val="tx1"/>
+                </a:solidFill>
+              </a:rPr>
               <a:t>Log Entry</a:t>
             </a:r>
-            <a:endParaRPr lang="en-US" dirty="0"/>
+            <a:endParaRPr lang="en-US" dirty="0">
+              <a:solidFill>
+                <a:schemeClr val="tx1"/>
+              </a:solidFill>
+            </a:endParaRPr>
           </a:p>
         </p:txBody>
       </p:sp>
@@ -3485,6 +3507,8 @@
           <a:prstGeom prst="rect">
             <a:avLst/>
           </a:prstGeom>
+          <a:noFill/>
+          <a:ln w="38100"/>
         </p:spPr>
         <p:style>
           <a:lnRef idx="2">
@@ -3508,10 +3532,18 @@
           <a:p>
             <a:pPr algn="ctr"/>
             <a:r>
-              <a:rPr lang="en-US" dirty="0" smtClean="0"/>
+              <a:rPr lang="en-US" dirty="0" smtClean="0">
+                <a:solidFill>
+                  <a:schemeClr val="tx1"/>
+                </a:solidFill>
+              </a:rPr>
               <a:t>Log Entry</a:t>
             </a:r>
-            <a:endParaRPr lang="en-US" dirty="0"/>
+            <a:endParaRPr lang="en-US" dirty="0">
+              <a:solidFill>
+                <a:schemeClr val="tx1"/>
+              </a:solidFill>
+            </a:endParaRPr>
           </a:p>
         </p:txBody>
       </p:sp>
@@ -3529,6 +3561,8 @@
           <a:prstGeom prst="rect">
             <a:avLst/>
           </a:prstGeom>
+          <a:noFill/>
+          <a:ln w="38100"/>
         </p:spPr>
         <p:style>
           <a:lnRef idx="2">
@@ -3552,10 +3586,18 @@
           <a:p>
             <a:pPr algn="ctr"/>
             <a:r>
-              <a:rPr lang="en-US" dirty="0" smtClean="0"/>
+              <a:rPr lang="en-US" dirty="0" smtClean="0">
+                <a:solidFill>
+                  <a:schemeClr val="tx1"/>
+                </a:solidFill>
+              </a:rPr>
               <a:t>Log Entry</a:t>
             </a:r>
-            <a:endParaRPr lang="en-US" dirty="0"/>
+            <a:endParaRPr lang="en-US" dirty="0">
+              <a:solidFill>
+                <a:schemeClr val="tx1"/>
+              </a:solidFill>
+            </a:endParaRPr>
           </a:p>
         </p:txBody>
       </p:sp>
